--- a/BuildingSecureMicroservicesInAzure/BuildingSecureMicroservicesInAzure.pptx
+++ b/BuildingSecureMicroservicesInAzure/BuildingSecureMicroservicesInAzure.pptx
@@ -222,7 +222,7 @@
           <a:p>
             <a:fld id="{BA11CBBD-FCCC-4341-9A07-9341F6C54581}" type="datetimeFigureOut">
               <a:rPr lang="en-US" smtClean="0"/>
-              <a:t>9/28/2022</a:t>
+              <a:t>5/25/2023</a:t>
             </a:fld>
             <a:endParaRPr lang="en-US"/>
           </a:p>
@@ -3572,7 +3572,7 @@
                   <a:prstClr val="black"/>
                 </a:solidFill>
               </a:rPr>
-              <a:t>Building Secure Microservices in Azure</a:t>
+              <a:t>Demystifying Web API Security in Azure</a:t>
             </a:r>
             <a:endParaRPr lang="en-US" sz="4800" dirty="0"/>
           </a:p>
@@ -12589,12 +12589,12 @@
           <a:lstStyle/>
           <a:p>
             <a:r>
-              <a:rPr lang="en-US" sz="6000" dirty="0">
+              <a:rPr lang="en-US" sz="6000">
                 <a:solidFill>
                   <a:prstClr val="black"/>
                 </a:solidFill>
               </a:rPr>
-              <a:t>Building Secure Microservices in Azure</a:t>
+              <a:t>Demystifying Web API Security in Azure</a:t>
             </a:r>
             <a:endParaRPr lang="en-US" sz="4800" dirty="0"/>
           </a:p>
